--- a/presentationEcole.pptx
+++ b/presentationEcole.pptx
@@ -7,16 +7,17 @@
     <p:sldMasterId id="2147483972" r:id="rId3"/>
   </p:sldMasterIdLst>
   <p:notesMasterIdLst>
-    <p:notesMasterId r:id="rId11"/>
+    <p:notesMasterId r:id="rId12"/>
   </p:notesMasterIdLst>
   <p:sldIdLst>
     <p:sldId id="263" r:id="rId4"/>
     <p:sldId id="348" r:id="rId5"/>
     <p:sldId id="286" r:id="rId6"/>
-    <p:sldId id="347" r:id="rId7"/>
-    <p:sldId id="351" r:id="rId8"/>
-    <p:sldId id="357" r:id="rId9"/>
-    <p:sldId id="355" r:id="rId10"/>
+    <p:sldId id="358" r:id="rId7"/>
+    <p:sldId id="347" r:id="rId8"/>
+    <p:sldId id="351" r:id="rId9"/>
+    <p:sldId id="357" r:id="rId10"/>
+    <p:sldId id="355" r:id="rId11"/>
   </p:sldIdLst>
   <p:sldSz cx="9144000" cy="6858000" type="screen4x3"/>
   <p:notesSz cx="6858000" cy="9144000"/>
@@ -10912,288 +10913,72 @@
       </p:grpSpPr>
       <p:sp>
         <p:nvSpPr>
-          <p:cNvPr id="6" name="Rectangle 5"/>
-          <p:cNvSpPr txBox="1">
-            <a:spLocks noChangeArrowheads="1"/>
-          </p:cNvSpPr>
-          <p:nvPr/>
+          <p:cNvPr id="2" name="Rectangle 2"/>
+          <p:cNvSpPr>
+            <a:spLocks noGrp="1" noChangeArrowheads="1"/>
+          </p:cNvSpPr>
+          <p:nvPr>
+            <p:ph type="title"/>
+          </p:nvPr>
         </p:nvSpPr>
         <p:spPr>
           <a:xfrm>
-            <a:off x="1143000" y="152400"/>
-            <a:ext cx="7010400" cy="870857"/>
+            <a:off x="2362200" y="381000"/>
+            <a:ext cx="6553200" cy="715963"/>
+          </a:xfrm>
+        </p:spPr>
+        <p:txBody>
+          <a:bodyPr>
+            <a:normAutofit/>
+          </a:bodyPr>
+          <a:lstStyle/>
+          <a:p>
+            <a:pPr algn="l"/>
+            <a:r>
+              <a:rPr lang="en-US" sz="2800" dirty="0">
+                <a:solidFill>
+                  <a:srgbClr val="4D4D4D"/>
+                </a:solidFill>
+              </a:rPr>
+              <a:t>Conception Technique</a:t>
+            </a:r>
+          </a:p>
+        </p:txBody>
+      </p:sp>
+      <p:pic>
+        <p:nvPicPr>
+          <p:cNvPr id="4" name="Image 3">
+            <a:extLst>
+              <a:ext uri="{FF2B5EF4-FFF2-40B4-BE49-F238E27FC236}">
+                <a16:creationId xmlns:a16="http://schemas.microsoft.com/office/drawing/2014/main" id="{5E503083-547F-49FE-9C6C-DF179680F9D0}"/>
+              </a:ext>
+            </a:extLst>
+          </p:cNvPr>
+          <p:cNvPicPr>
+            <a:picLocks noChangeAspect="1"/>
+          </p:cNvPicPr>
+          <p:nvPr/>
+        </p:nvPicPr>
+        <p:blipFill>
+          <a:blip r:embed="rId3"/>
+          <a:stretch>
+            <a:fillRect/>
+          </a:stretch>
+        </p:blipFill>
+        <p:spPr>
+          <a:xfrm>
+            <a:off x="2357437" y="1319212"/>
+            <a:ext cx="6176963" cy="5449151"/>
           </a:xfrm>
           <a:prstGeom prst="rect">
             <a:avLst/>
           </a:prstGeom>
-          <a:noFill/>
         </p:spPr>
-        <p:txBody>
-          <a:bodyPr vert="horz" lIns="91440" tIns="45720" rIns="91440" bIns="45720" rtlCol="0" anchor="ctr">
-            <a:noAutofit/>
-          </a:bodyPr>
-          <a:lstStyle>
-            <a:lvl1pPr algn="ctr" defTabSz="914400" rtl="0" eaLnBrk="1" latinLnBrk="0" hangingPunct="1">
-              <a:spcBef>
-                <a:spcPct val="0"/>
-              </a:spcBef>
-              <a:buNone/>
-              <a:defRPr sz="4400" kern="1200">
-                <a:solidFill>
-                  <a:schemeClr val="tx1"/>
-                </a:solidFill>
-                <a:latin typeface="+mj-lt"/>
-                <a:ea typeface="+mj-ea"/>
-                <a:cs typeface="+mj-cs"/>
-              </a:defRPr>
-            </a:lvl1pPr>
-          </a:lstStyle>
-          <a:p>
-            <a:r>
-              <a:rPr lang="en-US" sz="5200" dirty="0" err="1">
-                <a:solidFill>
-                  <a:schemeClr val="tx1">
-                    <a:lumMod val="75000"/>
-                    <a:lumOff val="25000"/>
-                  </a:schemeClr>
-                </a:solidFill>
-              </a:rPr>
-              <a:t>Bilan</a:t>
-            </a:r>
-            <a:r>
-              <a:rPr lang="en-US" sz="5200" dirty="0">
-                <a:solidFill>
-                  <a:schemeClr val="tx1">
-                    <a:lumMod val="75000"/>
-                    <a:lumOff val="25000"/>
-                  </a:schemeClr>
-                </a:solidFill>
-              </a:rPr>
-              <a:t> </a:t>
-            </a:r>
-            <a:r>
-              <a:rPr lang="en-US" sz="5200" dirty="0" err="1">
-                <a:solidFill>
-                  <a:schemeClr val="tx1">
-                    <a:lumMod val="75000"/>
-                    <a:lumOff val="25000"/>
-                  </a:schemeClr>
-                </a:solidFill>
-              </a:rPr>
-              <a:t>Collectif</a:t>
-            </a:r>
-            <a:r>
-              <a:rPr lang="en-US" sz="5200" dirty="0">
-                <a:solidFill>
-                  <a:schemeClr val="tx1">
-                    <a:lumMod val="75000"/>
-                    <a:lumOff val="25000"/>
-                  </a:schemeClr>
-                </a:solidFill>
-              </a:rPr>
-              <a:t> et </a:t>
-            </a:r>
-            <a:r>
-              <a:rPr lang="en-US" sz="5200" dirty="0" err="1">
-                <a:solidFill>
-                  <a:schemeClr val="tx1">
-                    <a:lumMod val="75000"/>
-                    <a:lumOff val="25000"/>
-                  </a:schemeClr>
-                </a:solidFill>
-              </a:rPr>
-              <a:t>Individuel</a:t>
-            </a:r>
-            <a:endParaRPr lang="ru-RU" sz="5200" dirty="0">
-              <a:solidFill>
-                <a:schemeClr val="tx1">
-                  <a:lumMod val="75000"/>
-                  <a:lumOff val="25000"/>
-                </a:schemeClr>
-              </a:solidFill>
-            </a:endParaRPr>
-          </a:p>
-        </p:txBody>
-      </p:sp>
-      <p:sp>
-        <p:nvSpPr>
-          <p:cNvPr id="7" name="Rectangle 8"/>
-          <p:cNvSpPr txBox="1">
-            <a:spLocks noChangeArrowheads="1"/>
-          </p:cNvSpPr>
-          <p:nvPr/>
-        </p:nvSpPr>
-        <p:spPr>
-          <a:xfrm>
-            <a:off x="3472543" y="961901"/>
-            <a:ext cx="2351314" cy="609600"/>
-          </a:xfrm>
-          <a:prstGeom prst="rect">
-            <a:avLst/>
-          </a:prstGeom>
-          <a:noFill/>
-        </p:spPr>
-        <p:txBody>
-          <a:bodyPr vert="horz" lIns="91440" tIns="45720" rIns="91440" bIns="45720" rtlCol="0">
-            <a:normAutofit/>
-          </a:bodyPr>
-          <a:lstStyle>
-            <a:lvl1pPr marL="342900" indent="-342900" algn="l" defTabSz="914400" rtl="0" eaLnBrk="1" latinLnBrk="0" hangingPunct="1">
-              <a:spcBef>
-                <a:spcPct val="20000"/>
-              </a:spcBef>
-              <a:buFont typeface="Arial" pitchFamily="34" charset="0"/>
-              <a:buChar char="•"/>
-              <a:defRPr sz="3200" kern="1200">
-                <a:solidFill>
-                  <a:schemeClr val="tx1"/>
-                </a:solidFill>
-                <a:latin typeface="+mn-lt"/>
-                <a:ea typeface="+mn-ea"/>
-                <a:cs typeface="+mn-cs"/>
-              </a:defRPr>
-            </a:lvl1pPr>
-            <a:lvl2pPr marL="742950" indent="-285750" algn="l" defTabSz="914400" rtl="0" eaLnBrk="1" latinLnBrk="0" hangingPunct="1">
-              <a:spcBef>
-                <a:spcPct val="20000"/>
-              </a:spcBef>
-              <a:buFont typeface="Arial" pitchFamily="34" charset="0"/>
-              <a:buChar char="–"/>
-              <a:defRPr sz="2800" kern="1200">
-                <a:solidFill>
-                  <a:schemeClr val="tx1"/>
-                </a:solidFill>
-                <a:latin typeface="+mn-lt"/>
-                <a:ea typeface="+mn-ea"/>
-                <a:cs typeface="+mn-cs"/>
-              </a:defRPr>
-            </a:lvl2pPr>
-            <a:lvl3pPr marL="1143000" indent="-228600" algn="l" defTabSz="914400" rtl="0" eaLnBrk="1" latinLnBrk="0" hangingPunct="1">
-              <a:spcBef>
-                <a:spcPct val="20000"/>
-              </a:spcBef>
-              <a:buFont typeface="Arial" pitchFamily="34" charset="0"/>
-              <a:buChar char="•"/>
-              <a:defRPr sz="2400" kern="1200">
-                <a:solidFill>
-                  <a:schemeClr val="tx1"/>
-                </a:solidFill>
-                <a:latin typeface="+mn-lt"/>
-                <a:ea typeface="+mn-ea"/>
-                <a:cs typeface="+mn-cs"/>
-              </a:defRPr>
-            </a:lvl3pPr>
-            <a:lvl4pPr marL="1600200" indent="-228600" algn="l" defTabSz="914400" rtl="0" eaLnBrk="1" latinLnBrk="0" hangingPunct="1">
-              <a:spcBef>
-                <a:spcPct val="20000"/>
-              </a:spcBef>
-              <a:buFont typeface="Arial" pitchFamily="34" charset="0"/>
-              <a:buChar char="–"/>
-              <a:defRPr sz="2000" kern="1200">
-                <a:solidFill>
-                  <a:schemeClr val="tx1"/>
-                </a:solidFill>
-                <a:latin typeface="+mn-lt"/>
-                <a:ea typeface="+mn-ea"/>
-                <a:cs typeface="+mn-cs"/>
-              </a:defRPr>
-            </a:lvl4pPr>
-            <a:lvl5pPr marL="2057400" indent="-228600" algn="l" defTabSz="914400" rtl="0" eaLnBrk="1" latinLnBrk="0" hangingPunct="1">
-              <a:spcBef>
-                <a:spcPct val="20000"/>
-              </a:spcBef>
-              <a:buFont typeface="Arial" pitchFamily="34" charset="0"/>
-              <a:buChar char="»"/>
-              <a:defRPr sz="2000" kern="1200">
-                <a:solidFill>
-                  <a:schemeClr val="tx1"/>
-                </a:solidFill>
-                <a:latin typeface="+mn-lt"/>
-                <a:ea typeface="+mn-ea"/>
-                <a:cs typeface="+mn-cs"/>
-              </a:defRPr>
-            </a:lvl5pPr>
-            <a:lvl6pPr marL="2514600" indent="-228600" algn="l" defTabSz="914400" rtl="0" eaLnBrk="1" latinLnBrk="0" hangingPunct="1">
-              <a:spcBef>
-                <a:spcPct val="20000"/>
-              </a:spcBef>
-              <a:buFont typeface="Arial" pitchFamily="34" charset="0"/>
-              <a:buChar char="•"/>
-              <a:defRPr sz="2000" kern="1200">
-                <a:solidFill>
-                  <a:schemeClr val="tx1"/>
-                </a:solidFill>
-                <a:latin typeface="+mn-lt"/>
-                <a:ea typeface="+mn-ea"/>
-                <a:cs typeface="+mn-cs"/>
-              </a:defRPr>
-            </a:lvl6pPr>
-            <a:lvl7pPr marL="2971800" indent="-228600" algn="l" defTabSz="914400" rtl="0" eaLnBrk="1" latinLnBrk="0" hangingPunct="1">
-              <a:spcBef>
-                <a:spcPct val="20000"/>
-              </a:spcBef>
-              <a:buFont typeface="Arial" pitchFamily="34" charset="0"/>
-              <a:buChar char="•"/>
-              <a:defRPr sz="2000" kern="1200">
-                <a:solidFill>
-                  <a:schemeClr val="tx1"/>
-                </a:solidFill>
-                <a:latin typeface="+mn-lt"/>
-                <a:ea typeface="+mn-ea"/>
-                <a:cs typeface="+mn-cs"/>
-              </a:defRPr>
-            </a:lvl7pPr>
-            <a:lvl8pPr marL="3429000" indent="-228600" algn="l" defTabSz="914400" rtl="0" eaLnBrk="1" latinLnBrk="0" hangingPunct="1">
-              <a:spcBef>
-                <a:spcPct val="20000"/>
-              </a:spcBef>
-              <a:buFont typeface="Arial" pitchFamily="34" charset="0"/>
-              <a:buChar char="•"/>
-              <a:defRPr sz="2000" kern="1200">
-                <a:solidFill>
-                  <a:schemeClr val="tx1"/>
-                </a:solidFill>
-                <a:latin typeface="+mn-lt"/>
-                <a:ea typeface="+mn-ea"/>
-                <a:cs typeface="+mn-cs"/>
-              </a:defRPr>
-            </a:lvl8pPr>
-            <a:lvl9pPr marL="3886200" indent="-228600" algn="l" defTabSz="914400" rtl="0" eaLnBrk="1" latinLnBrk="0" hangingPunct="1">
-              <a:spcBef>
-                <a:spcPct val="20000"/>
-              </a:spcBef>
-              <a:buFont typeface="Arial" pitchFamily="34" charset="0"/>
-              <a:buChar char="•"/>
-              <a:defRPr sz="2000" kern="1200">
-                <a:solidFill>
-                  <a:schemeClr val="tx1"/>
-                </a:solidFill>
-                <a:latin typeface="+mn-lt"/>
-                <a:ea typeface="+mn-ea"/>
-                <a:cs typeface="+mn-cs"/>
-              </a:defRPr>
-            </a:lvl9pPr>
-          </a:lstStyle>
-          <a:p>
-            <a:pPr marL="0" indent="0" algn="ctr">
-              <a:buFont typeface="Arial" pitchFamily="34" charset="0"/>
-              <a:buNone/>
-            </a:pPr>
-            <a:endParaRPr lang="ru-RU" sz="2600" dirty="0">
-              <a:solidFill>
-                <a:schemeClr val="tx1">
-                  <a:lumMod val="75000"/>
-                  <a:lumOff val="25000"/>
-                </a:schemeClr>
-              </a:solidFill>
-            </a:endParaRPr>
-          </a:p>
-        </p:txBody>
-      </p:sp>
+      </p:pic>
     </p:spTree>
     <p:extLst>
       <p:ext uri="{BB962C8B-B14F-4D97-AF65-F5344CB8AC3E}">
-        <p14:creationId xmlns:p14="http://schemas.microsoft.com/office/powerpoint/2010/main" val="204995627"/>
+        <p14:creationId xmlns:p14="http://schemas.microsoft.com/office/powerpoint/2010/main" val="742171144"/>
       </p:ext>
     </p:extLst>
   </p:cSld>
@@ -11236,48 +11021,288 @@
       </p:grpSpPr>
       <p:sp>
         <p:nvSpPr>
-          <p:cNvPr id="2" name="Rectangle 2"/>
-          <p:cNvSpPr>
-            <a:spLocks noGrp="1" noChangeArrowheads="1"/>
-          </p:cNvSpPr>
-          <p:nvPr>
-            <p:ph type="title"/>
-          </p:nvPr>
+          <p:cNvPr id="6" name="Rectangle 5"/>
+          <p:cNvSpPr txBox="1">
+            <a:spLocks noChangeArrowheads="1"/>
+          </p:cNvSpPr>
+          <p:nvPr/>
         </p:nvSpPr>
         <p:spPr>
           <a:xfrm>
-            <a:off x="2362200" y="838200"/>
-            <a:ext cx="6553200" cy="715963"/>
+            <a:off x="1143000" y="152400"/>
+            <a:ext cx="7010400" cy="870857"/>
           </a:xfrm>
+          <a:prstGeom prst="rect">
+            <a:avLst/>
+          </a:prstGeom>
+          <a:noFill/>
         </p:spPr>
         <p:txBody>
-          <a:bodyPr/>
-          <a:lstStyle/>
-          <a:p>
-            <a:pPr algn="l"/>
-            <a:r>
-              <a:rPr lang="en-US" sz="3600" dirty="0" err="1">
-                <a:solidFill>
-                  <a:srgbClr val="4D4D4D"/>
+          <a:bodyPr vert="horz" lIns="91440" tIns="45720" rIns="91440" bIns="45720" rtlCol="0" anchor="ctr">
+            <a:noAutofit/>
+          </a:bodyPr>
+          <a:lstStyle>
+            <a:lvl1pPr algn="ctr" defTabSz="914400" rtl="0" eaLnBrk="1" latinLnBrk="0" hangingPunct="1">
+              <a:spcBef>
+                <a:spcPct val="0"/>
+              </a:spcBef>
+              <a:buNone/>
+              <a:defRPr sz="4400" kern="1200">
+                <a:solidFill>
+                  <a:schemeClr val="tx1"/>
+                </a:solidFill>
+                <a:latin typeface="+mj-lt"/>
+                <a:ea typeface="+mj-ea"/>
+                <a:cs typeface="+mj-cs"/>
+              </a:defRPr>
+            </a:lvl1pPr>
+          </a:lstStyle>
+          <a:p>
+            <a:r>
+              <a:rPr lang="en-US" sz="5200" dirty="0" err="1">
+                <a:solidFill>
+                  <a:schemeClr val="tx1">
+                    <a:lumMod val="75000"/>
+                    <a:lumOff val="25000"/>
+                  </a:schemeClr>
                 </a:solidFill>
               </a:rPr>
-              <a:t>Versionning</a:t>
-            </a:r>
-            <a:r>
-              <a:rPr lang="en-US" sz="3600" dirty="0">
-                <a:solidFill>
-                  <a:srgbClr val="4D4D4D"/>
+              <a:t>Bilan</a:t>
+            </a:r>
+            <a:r>
+              <a:rPr lang="en-US" sz="5200" dirty="0">
+                <a:solidFill>
+                  <a:schemeClr val="tx1">
+                    <a:lumMod val="75000"/>
+                    <a:lumOff val="25000"/>
+                  </a:schemeClr>
                 </a:solidFill>
               </a:rPr>
               <a:t> </a:t>
             </a:r>
+            <a:r>
+              <a:rPr lang="en-US" sz="5200" dirty="0" err="1">
+                <a:solidFill>
+                  <a:schemeClr val="tx1">
+                    <a:lumMod val="75000"/>
+                    <a:lumOff val="25000"/>
+                  </a:schemeClr>
+                </a:solidFill>
+              </a:rPr>
+              <a:t>Collectif</a:t>
+            </a:r>
+            <a:r>
+              <a:rPr lang="en-US" sz="5200" dirty="0">
+                <a:solidFill>
+                  <a:schemeClr val="tx1">
+                    <a:lumMod val="75000"/>
+                    <a:lumOff val="25000"/>
+                  </a:schemeClr>
+                </a:solidFill>
+              </a:rPr>
+              <a:t> et </a:t>
+            </a:r>
+            <a:r>
+              <a:rPr lang="en-US" sz="5200" dirty="0" err="1">
+                <a:solidFill>
+                  <a:schemeClr val="tx1">
+                    <a:lumMod val="75000"/>
+                    <a:lumOff val="25000"/>
+                  </a:schemeClr>
+                </a:solidFill>
+              </a:rPr>
+              <a:t>Individuel</a:t>
+            </a:r>
+            <a:endParaRPr lang="ru-RU" sz="5200" dirty="0">
+              <a:solidFill>
+                <a:schemeClr val="tx1">
+                  <a:lumMod val="75000"/>
+                  <a:lumOff val="25000"/>
+                </a:schemeClr>
+              </a:solidFill>
+            </a:endParaRPr>
+          </a:p>
+        </p:txBody>
+      </p:sp>
+      <p:sp>
+        <p:nvSpPr>
+          <p:cNvPr id="7" name="Rectangle 8"/>
+          <p:cNvSpPr txBox="1">
+            <a:spLocks noChangeArrowheads="1"/>
+          </p:cNvSpPr>
+          <p:nvPr/>
+        </p:nvSpPr>
+        <p:spPr>
+          <a:xfrm>
+            <a:off x="3472543" y="961901"/>
+            <a:ext cx="2351314" cy="609600"/>
+          </a:xfrm>
+          <a:prstGeom prst="rect">
+            <a:avLst/>
+          </a:prstGeom>
+          <a:noFill/>
+        </p:spPr>
+        <p:txBody>
+          <a:bodyPr vert="horz" lIns="91440" tIns="45720" rIns="91440" bIns="45720" rtlCol="0">
+            <a:normAutofit/>
+          </a:bodyPr>
+          <a:lstStyle>
+            <a:lvl1pPr marL="342900" indent="-342900" algn="l" defTabSz="914400" rtl="0" eaLnBrk="1" latinLnBrk="0" hangingPunct="1">
+              <a:spcBef>
+                <a:spcPct val="20000"/>
+              </a:spcBef>
+              <a:buFont typeface="Arial" pitchFamily="34" charset="0"/>
+              <a:buChar char="•"/>
+              <a:defRPr sz="3200" kern="1200">
+                <a:solidFill>
+                  <a:schemeClr val="tx1"/>
+                </a:solidFill>
+                <a:latin typeface="+mn-lt"/>
+                <a:ea typeface="+mn-ea"/>
+                <a:cs typeface="+mn-cs"/>
+              </a:defRPr>
+            </a:lvl1pPr>
+            <a:lvl2pPr marL="742950" indent="-285750" algn="l" defTabSz="914400" rtl="0" eaLnBrk="1" latinLnBrk="0" hangingPunct="1">
+              <a:spcBef>
+                <a:spcPct val="20000"/>
+              </a:spcBef>
+              <a:buFont typeface="Arial" pitchFamily="34" charset="0"/>
+              <a:buChar char="–"/>
+              <a:defRPr sz="2800" kern="1200">
+                <a:solidFill>
+                  <a:schemeClr val="tx1"/>
+                </a:solidFill>
+                <a:latin typeface="+mn-lt"/>
+                <a:ea typeface="+mn-ea"/>
+                <a:cs typeface="+mn-cs"/>
+              </a:defRPr>
+            </a:lvl2pPr>
+            <a:lvl3pPr marL="1143000" indent="-228600" algn="l" defTabSz="914400" rtl="0" eaLnBrk="1" latinLnBrk="0" hangingPunct="1">
+              <a:spcBef>
+                <a:spcPct val="20000"/>
+              </a:spcBef>
+              <a:buFont typeface="Arial" pitchFamily="34" charset="0"/>
+              <a:buChar char="•"/>
+              <a:defRPr sz="2400" kern="1200">
+                <a:solidFill>
+                  <a:schemeClr val="tx1"/>
+                </a:solidFill>
+                <a:latin typeface="+mn-lt"/>
+                <a:ea typeface="+mn-ea"/>
+                <a:cs typeface="+mn-cs"/>
+              </a:defRPr>
+            </a:lvl3pPr>
+            <a:lvl4pPr marL="1600200" indent="-228600" algn="l" defTabSz="914400" rtl="0" eaLnBrk="1" latinLnBrk="0" hangingPunct="1">
+              <a:spcBef>
+                <a:spcPct val="20000"/>
+              </a:spcBef>
+              <a:buFont typeface="Arial" pitchFamily="34" charset="0"/>
+              <a:buChar char="–"/>
+              <a:defRPr sz="2000" kern="1200">
+                <a:solidFill>
+                  <a:schemeClr val="tx1"/>
+                </a:solidFill>
+                <a:latin typeface="+mn-lt"/>
+                <a:ea typeface="+mn-ea"/>
+                <a:cs typeface="+mn-cs"/>
+              </a:defRPr>
+            </a:lvl4pPr>
+            <a:lvl5pPr marL="2057400" indent="-228600" algn="l" defTabSz="914400" rtl="0" eaLnBrk="1" latinLnBrk="0" hangingPunct="1">
+              <a:spcBef>
+                <a:spcPct val="20000"/>
+              </a:spcBef>
+              <a:buFont typeface="Arial" pitchFamily="34" charset="0"/>
+              <a:buChar char="»"/>
+              <a:defRPr sz="2000" kern="1200">
+                <a:solidFill>
+                  <a:schemeClr val="tx1"/>
+                </a:solidFill>
+                <a:latin typeface="+mn-lt"/>
+                <a:ea typeface="+mn-ea"/>
+                <a:cs typeface="+mn-cs"/>
+              </a:defRPr>
+            </a:lvl5pPr>
+            <a:lvl6pPr marL="2514600" indent="-228600" algn="l" defTabSz="914400" rtl="0" eaLnBrk="1" latinLnBrk="0" hangingPunct="1">
+              <a:spcBef>
+                <a:spcPct val="20000"/>
+              </a:spcBef>
+              <a:buFont typeface="Arial" pitchFamily="34" charset="0"/>
+              <a:buChar char="•"/>
+              <a:defRPr sz="2000" kern="1200">
+                <a:solidFill>
+                  <a:schemeClr val="tx1"/>
+                </a:solidFill>
+                <a:latin typeface="+mn-lt"/>
+                <a:ea typeface="+mn-ea"/>
+                <a:cs typeface="+mn-cs"/>
+              </a:defRPr>
+            </a:lvl6pPr>
+            <a:lvl7pPr marL="2971800" indent="-228600" algn="l" defTabSz="914400" rtl="0" eaLnBrk="1" latinLnBrk="0" hangingPunct="1">
+              <a:spcBef>
+                <a:spcPct val="20000"/>
+              </a:spcBef>
+              <a:buFont typeface="Arial" pitchFamily="34" charset="0"/>
+              <a:buChar char="•"/>
+              <a:defRPr sz="2000" kern="1200">
+                <a:solidFill>
+                  <a:schemeClr val="tx1"/>
+                </a:solidFill>
+                <a:latin typeface="+mn-lt"/>
+                <a:ea typeface="+mn-ea"/>
+                <a:cs typeface="+mn-cs"/>
+              </a:defRPr>
+            </a:lvl7pPr>
+            <a:lvl8pPr marL="3429000" indent="-228600" algn="l" defTabSz="914400" rtl="0" eaLnBrk="1" latinLnBrk="0" hangingPunct="1">
+              <a:spcBef>
+                <a:spcPct val="20000"/>
+              </a:spcBef>
+              <a:buFont typeface="Arial" pitchFamily="34" charset="0"/>
+              <a:buChar char="•"/>
+              <a:defRPr sz="2000" kern="1200">
+                <a:solidFill>
+                  <a:schemeClr val="tx1"/>
+                </a:solidFill>
+                <a:latin typeface="+mn-lt"/>
+                <a:ea typeface="+mn-ea"/>
+                <a:cs typeface="+mn-cs"/>
+              </a:defRPr>
+            </a:lvl8pPr>
+            <a:lvl9pPr marL="3886200" indent="-228600" algn="l" defTabSz="914400" rtl="0" eaLnBrk="1" latinLnBrk="0" hangingPunct="1">
+              <a:spcBef>
+                <a:spcPct val="20000"/>
+              </a:spcBef>
+              <a:buFont typeface="Arial" pitchFamily="34" charset="0"/>
+              <a:buChar char="•"/>
+              <a:defRPr sz="2000" kern="1200">
+                <a:solidFill>
+                  <a:schemeClr val="tx1"/>
+                </a:solidFill>
+                <a:latin typeface="+mn-lt"/>
+                <a:ea typeface="+mn-ea"/>
+                <a:cs typeface="+mn-cs"/>
+              </a:defRPr>
+            </a:lvl9pPr>
+          </a:lstStyle>
+          <a:p>
+            <a:pPr marL="0" indent="0" algn="ctr">
+              <a:buFont typeface="Arial" pitchFamily="34" charset="0"/>
+              <a:buNone/>
+            </a:pPr>
+            <a:endParaRPr lang="ru-RU" sz="2600" dirty="0">
+              <a:solidFill>
+                <a:schemeClr val="tx1">
+                  <a:lumMod val="75000"/>
+                  <a:lumOff val="25000"/>
+                </a:schemeClr>
+              </a:solidFill>
+            </a:endParaRPr>
           </a:p>
         </p:txBody>
       </p:sp>
     </p:spTree>
     <p:extLst>
       <p:ext uri="{BB962C8B-B14F-4D97-AF65-F5344CB8AC3E}">
-        <p14:creationId xmlns:p14="http://schemas.microsoft.com/office/powerpoint/2010/main" val="3358327099"/>
+        <p14:creationId xmlns:p14="http://schemas.microsoft.com/office/powerpoint/2010/main" val="204995627"/>
       </p:ext>
     </p:extLst>
   </p:cSld>
@@ -11340,6 +11365,120 @@
           <a:p>
             <a:pPr algn="l"/>
             <a:r>
+              <a:rPr lang="en-US" sz="3600" dirty="0" err="1">
+                <a:solidFill>
+                  <a:srgbClr val="4D4D4D"/>
+                </a:solidFill>
+              </a:rPr>
+              <a:t>Versionning</a:t>
+            </a:r>
+            <a:r>
+              <a:rPr lang="en-US" sz="3600" dirty="0">
+                <a:solidFill>
+                  <a:srgbClr val="4D4D4D"/>
+                </a:solidFill>
+              </a:rPr>
+              <a:t> </a:t>
+            </a:r>
+          </a:p>
+        </p:txBody>
+      </p:sp>
+      <p:pic>
+        <p:nvPicPr>
+          <p:cNvPr id="4" name="Image 3">
+            <a:extLst>
+              <a:ext uri="{FF2B5EF4-FFF2-40B4-BE49-F238E27FC236}">
+                <a16:creationId xmlns:a16="http://schemas.microsoft.com/office/drawing/2014/main" id="{182B16DB-AD4A-4AF8-8841-A4AEC291DCA3}"/>
+              </a:ext>
+            </a:extLst>
+          </p:cNvPr>
+          <p:cNvPicPr>
+            <a:picLocks noChangeAspect="1"/>
+          </p:cNvPicPr>
+          <p:nvPr/>
+        </p:nvPicPr>
+        <p:blipFill>
+          <a:blip r:embed="rId3"/>
+          <a:stretch>
+            <a:fillRect/>
+          </a:stretch>
+        </p:blipFill>
+        <p:spPr>
+          <a:xfrm>
+            <a:off x="2590800" y="2133600"/>
+            <a:ext cx="5705475" cy="4352925"/>
+          </a:xfrm>
+          <a:prstGeom prst="rect">
+            <a:avLst/>
+          </a:prstGeom>
+        </p:spPr>
+      </p:pic>
+    </p:spTree>
+    <p:extLst>
+      <p:ext uri="{BB962C8B-B14F-4D97-AF65-F5344CB8AC3E}">
+        <p14:creationId xmlns:p14="http://schemas.microsoft.com/office/powerpoint/2010/main" val="3358327099"/>
+      </p:ext>
+    </p:extLst>
+  </p:cSld>
+  <p:clrMapOvr>
+    <a:masterClrMapping/>
+  </p:clrMapOvr>
+</p:sld>
+</file>
+
+<file path=ppt/slides/slide7.xml><?xml version="1.0" encoding="utf-8"?>
+<p:sld xmlns:a="http://schemas.openxmlformats.org/drawingml/2006/main" xmlns:r="http://schemas.openxmlformats.org/officeDocument/2006/relationships" xmlns:p="http://schemas.openxmlformats.org/presentationml/2006/main">
+  <p:cSld>
+    <p:bg>
+      <p:bgPr>
+        <a:blipFill dpi="0" rotWithShape="1">
+          <a:blip r:embed="rId2">
+            <a:lum/>
+          </a:blip>
+          <a:srcRect/>
+          <a:stretch>
+            <a:fillRect/>
+          </a:stretch>
+        </a:blipFill>
+        <a:effectLst/>
+      </p:bgPr>
+    </p:bg>
+    <p:spTree>
+      <p:nvGrpSpPr>
+        <p:cNvPr id="1" name=""/>
+        <p:cNvGrpSpPr/>
+        <p:nvPr/>
+      </p:nvGrpSpPr>
+      <p:grpSpPr>
+        <a:xfrm>
+          <a:off x="0" y="0"/>
+          <a:ext cx="0" cy="0"/>
+          <a:chOff x="0" y="0"/>
+          <a:chExt cx="0" cy="0"/>
+        </a:xfrm>
+      </p:grpSpPr>
+      <p:sp>
+        <p:nvSpPr>
+          <p:cNvPr id="2" name="Rectangle 2"/>
+          <p:cNvSpPr>
+            <a:spLocks noGrp="1" noChangeArrowheads="1"/>
+          </p:cNvSpPr>
+          <p:nvPr>
+            <p:ph type="title"/>
+          </p:nvPr>
+        </p:nvSpPr>
+        <p:spPr>
+          <a:xfrm>
+            <a:off x="2362200" y="838200"/>
+            <a:ext cx="6553200" cy="715963"/>
+          </a:xfrm>
+        </p:spPr>
+        <p:txBody>
+          <a:bodyPr/>
+          <a:lstStyle/>
+          <a:p>
+            <a:pPr algn="l"/>
+            <a:r>
               <a:rPr lang="en-US" sz="3600" dirty="0">
                 <a:solidFill>
                   <a:srgbClr val="4D4D4D"/>
@@ -11399,10 +11538,6 @@
               <a:buFontTx/>
               <a:buChar char="-"/>
             </a:pPr>
-            <a:r>
-              <a:rPr lang="fr-FR" dirty="0" err="1"/>
-              <a:t>youtube</a:t>
-            </a:r>
             <a:endParaRPr lang="fr-FR" dirty="0"/>
           </a:p>
           <a:p>
@@ -11434,7 +11569,7 @@
 </p:sld>
 </file>
 
-<file path=ppt/slides/slide7.xml><?xml version="1.0" encoding="utf-8"?>
+<file path=ppt/slides/slide8.xml><?xml version="1.0" encoding="utf-8"?>
 <p:sld xmlns:a="http://schemas.openxmlformats.org/drawingml/2006/main" xmlns:r="http://schemas.openxmlformats.org/officeDocument/2006/relationships" xmlns:p="http://schemas.openxmlformats.org/presentationml/2006/main">
   <p:cSld>
     <p:spTree>
